--- a/serious_game/env1_r2.pptx
+++ b/serious_game/env1_r2.pptx
@@ -243,7 +243,7 @@
           <a:p>
             <a:fld id="{3C953AC6-FA73-4844-B9A5-E46996D28858}" type="datetimeFigureOut">
               <a:rPr lang="fr-FR" smtClean="0"/>
-              <a:t>24/06/2023</a:t>
+              <a:t>25/06/2023</a:t>
             </a:fld>
             <a:endParaRPr lang="fr-FR"/>
           </a:p>
@@ -413,7 +413,7 @@
           <a:p>
             <a:fld id="{3C953AC6-FA73-4844-B9A5-E46996D28858}" type="datetimeFigureOut">
               <a:rPr lang="fr-FR" smtClean="0"/>
-              <a:t>24/06/2023</a:t>
+              <a:t>25/06/2023</a:t>
             </a:fld>
             <a:endParaRPr lang="fr-FR"/>
           </a:p>
@@ -593,7 +593,7 @@
           <a:p>
             <a:fld id="{3C953AC6-FA73-4844-B9A5-E46996D28858}" type="datetimeFigureOut">
               <a:rPr lang="fr-FR" smtClean="0"/>
-              <a:t>24/06/2023</a:t>
+              <a:t>25/06/2023</a:t>
             </a:fld>
             <a:endParaRPr lang="fr-FR"/>
           </a:p>
@@ -763,7 +763,7 @@
           <a:p>
             <a:fld id="{3C953AC6-FA73-4844-B9A5-E46996D28858}" type="datetimeFigureOut">
               <a:rPr lang="fr-FR" smtClean="0"/>
-              <a:t>24/06/2023</a:t>
+              <a:t>25/06/2023</a:t>
             </a:fld>
             <a:endParaRPr lang="fr-FR"/>
           </a:p>
@@ -1009,7 +1009,7 @@
           <a:p>
             <a:fld id="{3C953AC6-FA73-4844-B9A5-E46996D28858}" type="datetimeFigureOut">
               <a:rPr lang="fr-FR" smtClean="0"/>
-              <a:t>24/06/2023</a:t>
+              <a:t>25/06/2023</a:t>
             </a:fld>
             <a:endParaRPr lang="fr-FR"/>
           </a:p>
@@ -1241,7 +1241,7 @@
           <a:p>
             <a:fld id="{3C953AC6-FA73-4844-B9A5-E46996D28858}" type="datetimeFigureOut">
               <a:rPr lang="fr-FR" smtClean="0"/>
-              <a:t>24/06/2023</a:t>
+              <a:t>25/06/2023</a:t>
             </a:fld>
             <a:endParaRPr lang="fr-FR"/>
           </a:p>
@@ -1608,7 +1608,7 @@
           <a:p>
             <a:fld id="{3C953AC6-FA73-4844-B9A5-E46996D28858}" type="datetimeFigureOut">
               <a:rPr lang="fr-FR" smtClean="0"/>
-              <a:t>24/06/2023</a:t>
+              <a:t>25/06/2023</a:t>
             </a:fld>
             <a:endParaRPr lang="fr-FR"/>
           </a:p>
@@ -1726,7 +1726,7 @@
           <a:p>
             <a:fld id="{3C953AC6-FA73-4844-B9A5-E46996D28858}" type="datetimeFigureOut">
               <a:rPr lang="fr-FR" smtClean="0"/>
-              <a:t>24/06/2023</a:t>
+              <a:t>25/06/2023</a:t>
             </a:fld>
             <a:endParaRPr lang="fr-FR"/>
           </a:p>
@@ -1821,7 +1821,7 @@
           <a:p>
             <a:fld id="{3C953AC6-FA73-4844-B9A5-E46996D28858}" type="datetimeFigureOut">
               <a:rPr lang="fr-FR" smtClean="0"/>
-              <a:t>24/06/2023</a:t>
+              <a:t>25/06/2023</a:t>
             </a:fld>
             <a:endParaRPr lang="fr-FR"/>
           </a:p>
@@ -2098,7 +2098,7 @@
           <a:p>
             <a:fld id="{3C953AC6-FA73-4844-B9A5-E46996D28858}" type="datetimeFigureOut">
               <a:rPr lang="fr-FR" smtClean="0"/>
-              <a:t>24/06/2023</a:t>
+              <a:t>25/06/2023</a:t>
             </a:fld>
             <a:endParaRPr lang="fr-FR"/>
           </a:p>
@@ -2351,7 +2351,7 @@
           <a:p>
             <a:fld id="{3C953AC6-FA73-4844-B9A5-E46996D28858}" type="datetimeFigureOut">
               <a:rPr lang="fr-FR" smtClean="0"/>
-              <a:t>24/06/2023</a:t>
+              <a:t>25/06/2023</a:t>
             </a:fld>
             <a:endParaRPr lang="fr-FR"/>
           </a:p>
@@ -2564,7 +2564,7 @@
           <a:p>
             <a:fld id="{3C953AC6-FA73-4844-B9A5-E46996D28858}" type="datetimeFigureOut">
               <a:rPr lang="fr-FR" smtClean="0"/>
-              <a:t>24/06/2023</a:t>
+              <a:t>25/06/2023</a:t>
             </a:fld>
             <a:endParaRPr lang="fr-FR"/>
           </a:p>
@@ -3001,11 +3001,7 @@
             </a:r>
             <a:r>
               <a:rPr lang="fr-FR" dirty="0" smtClean="0"/>
-              <a:t> </a:t>
-            </a:r>
-            <a:r>
-              <a:rPr lang="fr-FR" dirty="0" smtClean="0"/>
-              <a:t>– refact_2 =&gt; </a:t>
+              <a:t> – refact_2 =&gt; </a:t>
             </a:r>
             <a:r>
               <a:rPr lang="fr-FR" dirty="0" err="1" smtClean="0"/>
